--- a/DPR AMS.pptx
+++ b/DPR AMS.pptx
@@ -134,8 +134,11 @@
     </a:lvl9pPr>
   </p:defaultTextStyle>
   <p:extLst>
+    <p:ext uri="{EFAFB233-063F-42B5-8137-9DF3F51BA10A}">
+      <p15:sldGuideLst xmlns:p15="http://schemas.microsoft.com/office/powerpoint/2012/main"/>
+    </p:ext>
     <p:ext uri="http://customooxmlschemas.google.com/">
-      <go:slidesCustomData xmlns:go="http://customooxmlschemas.google.com/" xmlns:ahyp="http://schemas.microsoft.com/office/drawing/2018/hyperlinkcolor" xmlns:p15="http://schemas.microsoft.com/office/powerpoint/2012/main" xmlns:p14="http://schemas.microsoft.com/office/powerpoint/2010/main" xmlns:com="http://schemas.openxmlformats.org/drawingml/2006/compatibility" xmlns:pvml="urn:schemas-microsoft-com:office:powerpoint" xmlns:v="urn:schemas-microsoft-com:vml" xmlns:o="urn:schemas-microsoft-com:office:office" xmlns:dgm="http://schemas.openxmlformats.org/drawingml/2006/diagram" xmlns:c="http://schemas.openxmlformats.org/drawingml/2006/chart" xmlns:mv="urn:schemas-microsoft-com:mac:vml" xmlns:mc="http://schemas.openxmlformats.org/markup-compatibility/2006" xmlns="" r:id="rId22" roundtripDataSignature="AMtx7mja1iNMUlAlqX4iV31sKtFy/FYFrw=="/>
+      <go:slidesCustomData xmlns="" xmlns:mc="http://schemas.openxmlformats.org/markup-compatibility/2006" xmlns:mv="urn:schemas-microsoft-com:mac:vml" xmlns:c="http://schemas.openxmlformats.org/drawingml/2006/chart" xmlns:dgm="http://schemas.openxmlformats.org/drawingml/2006/diagram" xmlns:o="urn:schemas-microsoft-com:office:office" xmlns:v="urn:schemas-microsoft-com:vml" xmlns:pvml="urn:schemas-microsoft-com:office:powerpoint" xmlns:com="http://schemas.openxmlformats.org/drawingml/2006/compatibility" xmlns:p14="http://schemas.microsoft.com/office/powerpoint/2010/main" xmlns:p15="http://schemas.microsoft.com/office/powerpoint/2012/main" xmlns:ahyp="http://schemas.microsoft.com/office/drawing/2018/hyperlinkcolor" xmlns:go="http://customooxmlschemas.google.com/" r:id="rId22" roundtripDataSignature="AMtx7mja1iNMUlAlqX4iV31sKtFy/FYFrw=="/>
     </p:ext>
   </p:extLst>
 </p:presentation>
@@ -8280,7 +8283,7 @@
                 <a:latin typeface="Times New Roman" panose="02020603050405020304" pitchFamily="18" charset="0"/>
                 <a:cs typeface="Times New Roman" panose="02020603050405020304" pitchFamily="18" charset="0"/>
               </a:rPr>
-              <a:t>Its RUL values is good for more use of the engine. </a:t>
+              <a:t>Its RUL values is good for </a:t>
             </a:r>
           </a:p>
           <a:p>
@@ -8295,7 +8298,7 @@
                 <a:latin typeface="Times New Roman" panose="02020603050405020304" pitchFamily="18" charset="0"/>
                 <a:cs typeface="Times New Roman" panose="02020603050405020304" pitchFamily="18" charset="0"/>
               </a:rPr>
-              <a:t>When the engine’s RUL less than 20 it will be</a:t>
+              <a:t>more use of the engine. </a:t>
             </a:r>
           </a:p>
           <a:p>
@@ -8310,10 +8313,38 @@
                 <a:latin typeface="Times New Roman" panose="02020603050405020304" pitchFamily="18" charset="0"/>
                 <a:cs typeface="Times New Roman" panose="02020603050405020304" pitchFamily="18" charset="0"/>
               </a:rPr>
-              <a:t>Consider as in risk state.</a:t>
-            </a:r>
-          </a:p>
-          <a:p>
+              <a:t>When the engine’s RUL </a:t>
+            </a:r>
+          </a:p>
+          <a:p>
+            <a:pPr marL="457200" lvl="1" indent="0">
+              <a:buNone/>
+            </a:pPr>
+            <a:r>
+              <a:rPr lang="en-US" sz="2000" dirty="0">
+                <a:solidFill>
+                  <a:schemeClr val="bg1"/>
+                </a:solidFill>
+                <a:latin typeface="Times New Roman" panose="02020603050405020304" pitchFamily="18" charset="0"/>
+                <a:cs typeface="Times New Roman" panose="02020603050405020304" pitchFamily="18" charset="0"/>
+              </a:rPr>
+              <a:t>less than 20 it will be</a:t>
+            </a:r>
+          </a:p>
+          <a:p>
+            <a:pPr marL="457200" lvl="1" indent="0">
+              <a:buNone/>
+            </a:pPr>
+            <a:r>
+              <a:rPr lang="en-US" sz="2000" dirty="0">
+                <a:solidFill>
+                  <a:schemeClr val="bg1"/>
+                </a:solidFill>
+                <a:latin typeface="Times New Roman" panose="02020603050405020304" pitchFamily="18" charset="0"/>
+                <a:cs typeface="Times New Roman" panose="02020603050405020304" pitchFamily="18" charset="0"/>
+              </a:rPr>
+              <a:t>Consider as in risk state</a:t>
+            </a:r>
             <a:endParaRPr lang="en-US" sz="2200" dirty="0">
               <a:solidFill>
                 <a:schemeClr val="bg1"/>
@@ -8323,9 +8354,6 @@
             </a:endParaRPr>
           </a:p>
           <a:p>
-            <a:pPr marL="0" indent="0">
-              <a:buNone/>
-            </a:pPr>
             <a:endParaRPr lang="en-US" sz="2200" dirty="0">
               <a:solidFill>
                 <a:schemeClr val="bg1"/>
@@ -8344,7 +8372,7 @@
             </a:endParaRPr>
           </a:p>
           <a:p>
-            <a:endParaRPr lang="en-US" sz="2200" dirty="0">
+            <a:endParaRPr lang="en-IN" sz="2200" dirty="0">
               <a:solidFill>
                 <a:schemeClr val="bg1"/>
               </a:solidFill>
@@ -8353,7 +8381,7 @@
             </a:endParaRPr>
           </a:p>
           <a:p>
-            <a:endParaRPr lang="en-US" sz="2200" dirty="0">
+            <a:endParaRPr lang="en-IN" sz="2200" dirty="0">
               <a:solidFill>
                 <a:schemeClr val="bg1"/>
               </a:solidFill>
@@ -8379,32 +8407,14 @@
               <a:cs typeface="Times New Roman" panose="02020603050405020304" pitchFamily="18" charset="0"/>
             </a:endParaRPr>
           </a:p>
-          <a:p>
-            <a:endParaRPr lang="en-IN" sz="2200" dirty="0">
-              <a:solidFill>
-                <a:schemeClr val="bg1"/>
-              </a:solidFill>
-              <a:latin typeface="Times New Roman" panose="02020603050405020304" pitchFamily="18" charset="0"/>
-              <a:cs typeface="Times New Roman" panose="02020603050405020304" pitchFamily="18" charset="0"/>
-            </a:endParaRPr>
-          </a:p>
-          <a:p>
-            <a:endParaRPr lang="en-IN" sz="2200" dirty="0">
-              <a:solidFill>
-                <a:schemeClr val="bg1"/>
-              </a:solidFill>
-              <a:latin typeface="Times New Roman" panose="02020603050405020304" pitchFamily="18" charset="0"/>
-              <a:cs typeface="Times New Roman" panose="02020603050405020304" pitchFamily="18" charset="0"/>
-            </a:endParaRPr>
-          </a:p>
         </p:txBody>
       </p:sp>
       <p:pic>
         <p:nvPicPr>
-          <p:cNvPr id="5" name="Picture 4">
+          <p:cNvPr id="4" name="Picture 3">
             <a:extLst>
               <a:ext uri="{FF2B5EF4-FFF2-40B4-BE49-F238E27FC236}">
-                <a16:creationId xmlns:a16="http://schemas.microsoft.com/office/drawing/2014/main" id="{3FA396C2-4165-4AFE-9CEF-04641DF8E637}"/>
+                <a16:creationId xmlns:a16="http://schemas.microsoft.com/office/drawing/2014/main" id="{14344495-39F7-44E8-BE04-E2C54447CBE8}"/>
               </a:ext>
             </a:extLst>
           </p:cNvPr>
@@ -8421,8 +8431,8 @@
         </p:blipFill>
         <p:spPr>
           <a:xfrm>
-            <a:off x="6113834" y="510000"/>
-            <a:ext cx="5066401" cy="6230304"/>
+            <a:off x="4044963" y="1376160"/>
+            <a:ext cx="7861692" cy="4763384"/>
           </a:xfrm>
           <a:prstGeom prst="rect">
             <a:avLst/>
